--- a/Later/Java_Later/MongoDB_2/75/Data Modeling Introduction.pptx
+++ b/Later/Java_Later/MongoDB_2/75/Data Modeling Introduction.pptx
@@ -5,13 +5,14 @@
     <p:sldMasterId id="2147483672" r:id="rId1"/>
   </p:sldMasterIdLst>
   <p:notesMasterIdLst>
-    <p:notesMasterId r:id="rId6"/>
+    <p:notesMasterId r:id="rId7"/>
   </p:notesMasterIdLst>
   <p:sldIdLst>
     <p:sldId id="465" r:id="rId2"/>
     <p:sldId id="466" r:id="rId3"/>
     <p:sldId id="467" r:id="rId4"/>
-    <p:sldId id="464" r:id="rId5"/>
+    <p:sldId id="468" r:id="rId5"/>
+    <p:sldId id="464" r:id="rId6"/>
   </p:sldIdLst>
   <p:sldSz cx="9144000" cy="5029200"/>
   <p:notesSz cx="6858000" cy="9144000"/>
@@ -830,6 +831,95 @@
             <a:fld id="{A883C400-BD9D-4609-A213-F91E9750031E}" type="slidenum">
               <a:rPr lang="en-US" smtClean="0"/>
               <a:t>4</a:t>
+            </a:fld>
+            <a:endParaRPr lang="en-US" dirty="0"/>
+          </a:p>
+        </p:txBody>
+      </p:sp>
+    </p:spTree>
+    <p:extLst>
+      <p:ext uri="{BB962C8B-B14F-4D97-AF65-F5344CB8AC3E}">
+        <p14:creationId xmlns:p14="http://schemas.microsoft.com/office/powerpoint/2010/main" val="1228672271"/>
+      </p:ext>
+    </p:extLst>
+  </p:cSld>
+  <p:clrMapOvr>
+    <a:masterClrMapping/>
+  </p:clrMapOvr>
+</p:notes>
+</file>
+
+<file path=ppt/notesSlides/notesSlide5.xml><?xml version="1.0" encoding="utf-8"?>
+<p:notes xmlns:a="http://schemas.openxmlformats.org/drawingml/2006/main" xmlns:r="http://schemas.openxmlformats.org/officeDocument/2006/relationships" xmlns:p="http://schemas.openxmlformats.org/presentationml/2006/main">
+  <p:cSld>
+    <p:spTree>
+      <p:nvGrpSpPr>
+        <p:cNvPr id="1" name=""/>
+        <p:cNvGrpSpPr/>
+        <p:nvPr/>
+      </p:nvGrpSpPr>
+      <p:grpSpPr>
+        <a:xfrm>
+          <a:off x="0" y="0"/>
+          <a:ext cx="0" cy="0"/>
+          <a:chOff x="0" y="0"/>
+          <a:chExt cx="0" cy="0"/>
+        </a:xfrm>
+      </p:grpSpPr>
+      <p:sp>
+        <p:nvSpPr>
+          <p:cNvPr id="2" name="Slide Image Placeholder 1"/>
+          <p:cNvSpPr>
+            <a:spLocks noGrp="1" noRot="1" noChangeAspect="1"/>
+          </p:cNvSpPr>
+          <p:nvPr>
+            <p:ph type="sldImg"/>
+          </p:nvPr>
+        </p:nvSpPr>
+        <p:spPr>
+          <a:xfrm>
+            <a:off x="312738" y="685800"/>
+            <a:ext cx="6232525" cy="3429000"/>
+          </a:xfrm>
+        </p:spPr>
+      </p:sp>
+      <p:sp>
+        <p:nvSpPr>
+          <p:cNvPr id="3" name="Notes Placeholder 2"/>
+          <p:cNvSpPr>
+            <a:spLocks noGrp="1"/>
+          </p:cNvSpPr>
+          <p:nvPr>
+            <p:ph type="body" idx="1"/>
+          </p:nvPr>
+        </p:nvSpPr>
+        <p:spPr/>
+        <p:txBody>
+          <a:bodyPr/>
+          <a:lstStyle/>
+          <a:p>
+            <a:endParaRPr lang="en-US" dirty="0"/>
+          </a:p>
+        </p:txBody>
+      </p:sp>
+      <p:sp>
+        <p:nvSpPr>
+          <p:cNvPr id="4" name="Slide Number Placeholder 3"/>
+          <p:cNvSpPr>
+            <a:spLocks noGrp="1"/>
+          </p:cNvSpPr>
+          <p:nvPr>
+            <p:ph type="sldNum" sz="quarter" idx="10"/>
+          </p:nvPr>
+        </p:nvSpPr>
+        <p:spPr/>
+        <p:txBody>
+          <a:bodyPr/>
+          <a:lstStyle/>
+          <a:p>
+            <a:fld id="{A883C400-BD9D-4609-A213-F91E9750031E}" type="slidenum">
+              <a:rPr lang="en-US" smtClean="0"/>
+              <a:t>5</a:t>
             </a:fld>
             <a:endParaRPr lang="en-US" dirty="0"/>
           </a:p>
@@ -5198,6 +5288,121 @@
           </a:p>
         </p:txBody>
       </p:sp>
+      <p:pic>
+        <p:nvPicPr>
+          <p:cNvPr id="5" name="Picture 4">
+            <a:extLst>
+              <a:ext uri="{FF2B5EF4-FFF2-40B4-BE49-F238E27FC236}">
+                <a16:creationId xmlns:a16="http://schemas.microsoft.com/office/drawing/2014/main" id="{88E12173-8D69-48B1-8F21-42EA3E8AEAAF}"/>
+              </a:ext>
+            </a:extLst>
+          </p:cNvPr>
+          <p:cNvPicPr>
+            <a:picLocks noChangeAspect="1"/>
+          </p:cNvPicPr>
+          <p:nvPr/>
+        </p:nvPicPr>
+        <p:blipFill>
+          <a:blip r:embed="rId3"/>
+          <a:stretch>
+            <a:fillRect/>
+          </a:stretch>
+        </p:blipFill>
+        <p:spPr>
+          <a:xfrm>
+            <a:off x="651686" y="1846053"/>
+            <a:ext cx="5305921" cy="3022810"/>
+          </a:xfrm>
+          <a:prstGeom prst="rect">
+            <a:avLst/>
+          </a:prstGeom>
+        </p:spPr>
+      </p:pic>
+      <p:sp>
+        <p:nvSpPr>
+          <p:cNvPr id="8" name="Speech Bubble: Rectangle with Corners Rounded 7">
+            <a:extLst>
+              <a:ext uri="{FF2B5EF4-FFF2-40B4-BE49-F238E27FC236}">
+                <a16:creationId xmlns:a16="http://schemas.microsoft.com/office/drawing/2014/main" id="{53DA6B6D-BDFF-4D60-977E-FAF7471EB338}"/>
+              </a:ext>
+            </a:extLst>
+          </p:cNvPr>
+          <p:cNvSpPr/>
+          <p:nvPr/>
+        </p:nvSpPr>
+        <p:spPr>
+          <a:xfrm>
+            <a:off x="460376" y="575468"/>
+            <a:ext cx="7540624" cy="1076116"/>
+          </a:xfrm>
+          <a:prstGeom prst="wedgeRoundRectCallout">
+            <a:avLst>
+              <a:gd name="adj1" fmla="val -6912"/>
+              <a:gd name="adj2" fmla="val 69975"/>
+              <a:gd name="adj3" fmla="val 16667"/>
+            </a:avLst>
+          </a:prstGeom>
+          <a:ln w="3175"/>
+        </p:spPr>
+        <p:style>
+          <a:lnRef idx="2">
+            <a:schemeClr val="accent4"/>
+          </a:lnRef>
+          <a:fillRef idx="1">
+            <a:schemeClr val="lt1"/>
+          </a:fillRef>
+          <a:effectRef idx="0">
+            <a:schemeClr val="accent4"/>
+          </a:effectRef>
+          <a:fontRef idx="minor">
+            <a:schemeClr val="dk1"/>
+          </a:fontRef>
+        </p:style>
+        <p:txBody>
+          <a:bodyPr rtlCol="0" anchor="ctr"/>
+          <a:lstStyle/>
+          <a:p>
+            <a:pPr marL="171450" indent="-171450">
+              <a:buFont typeface="Wingdings" panose="05000000000000000000" pitchFamily="2" charset="2"/>
+              <a:buChar char="ü"/>
+            </a:pPr>
+            <a:r>
+              <a:rPr lang="en-US" sz="1200" dirty="0"/>
+              <a:t>References store the relationships between data by including links or </a:t>
+            </a:r>
+            <a:r>
+              <a:rPr lang="en-US" sz="1200" i="1" dirty="0"/>
+              <a:t>references</a:t>
+            </a:r>
+            <a:r>
+              <a:rPr lang="en-US" sz="1200" dirty="0"/>
+              <a:t> from one document to another. </a:t>
+            </a:r>
+            <a:br>
+              <a:rPr lang="en-US" sz="1200" dirty="0"/>
+            </a:br>
+            <a:endParaRPr lang="en-US" sz="1200" dirty="0"/>
+          </a:p>
+          <a:p>
+            <a:pPr marL="171450" indent="-171450">
+              <a:buFont typeface="Wingdings" panose="05000000000000000000" pitchFamily="2" charset="2"/>
+              <a:buChar char="ü"/>
+            </a:pPr>
+            <a:r>
+              <a:rPr lang="en-US" sz="1200" dirty="0"/>
+              <a:t>Applications can resolve these references to access the related data. Broadly, these are </a:t>
+            </a:r>
+            <a:r>
+              <a:rPr lang="en-US" sz="1200" i="1" dirty="0"/>
+              <a:t>normalized</a:t>
+            </a:r>
+            <a:r>
+              <a:rPr lang="en-US" sz="1200" dirty="0"/>
+              <a:t> data models.</a:t>
+            </a:r>
+          </a:p>
+        </p:txBody>
+      </p:sp>
     </p:spTree>
     <p:extLst>
       <p:ext uri="{BB962C8B-B14F-4D97-AF65-F5344CB8AC3E}">
@@ -5212,6 +5417,601 @@
 </file>
 
 <file path=ppt/slides/slide4.xml><?xml version="1.0" encoding="utf-8"?>
+<p:sld xmlns:a="http://schemas.openxmlformats.org/drawingml/2006/main" xmlns:r="http://schemas.openxmlformats.org/officeDocument/2006/relationships" xmlns:p="http://schemas.openxmlformats.org/presentationml/2006/main">
+  <p:cSld>
+    <p:spTree>
+      <p:nvGrpSpPr>
+        <p:cNvPr id="1" name=""/>
+        <p:cNvGrpSpPr/>
+        <p:nvPr/>
+      </p:nvGrpSpPr>
+      <p:grpSpPr>
+        <a:xfrm>
+          <a:off x="0" y="0"/>
+          <a:ext cx="0" cy="0"/>
+          <a:chOff x="0" y="0"/>
+          <a:chExt cx="0" cy="0"/>
+        </a:xfrm>
+      </p:grpSpPr>
+      <p:sp>
+        <p:nvSpPr>
+          <p:cNvPr id="3" name="AutoShape 2" descr="data:image/png;base64,iVBORw0KGgoAAAANSUhEUgAAANEAAADxCAMAAABiSKLrAAAAbFBMVEWIiIj////6+vr29vb19fX4+Pj5+fnu7u77+/v39/f9/f3z8/P+/v709PT8/Pyqqqrt7e3v7+/w8PDx8fHy8vK+vr7Q0NCjo6OBgYHY2Njk5OTHx8eNjY3c3NzGxsbn5+eWlpa1tbWcnJx6enob4+f+AAAIqklEQVR4nO3dCZuaOhQGYEZAh0FkX2W1//8/lkVMICeIkRmOPHz22lYg5OVEZLFzJRNrnC+xSGt3nJvQekMUYktnEiM1ouDrjCs/pukLkzoRtpjmNRcloRUFoiS8oo5UvLwsYpEgCaXoHLYiMRJqkRAJt0iEhFwkQMIqCgJRElpRLErCL3r1oxavSJSEWCRIQikyOtGQNPd8CaXICc04FiXhFomQkIsESChFbmhmwiT0opf3eBivMzSjLuORnh49oKxRKxIloayR24oESShFRScSI6EUJaGZCJNwiwhp/skFcpFAlbCLXiehF71MQisSJiEVVYkwqRP9oEpXI1HSXXRuWjo/2jz3f3v8YfjS7871lbU1EiT1IjrAKrvX/2iurzisijkk8OQC5ah7iERIyEUCJOyi10noRU9J490DUpFPRAApniJhFVnzSaOdOF6RKAmlKGhFgiTMohdIyYeIhEh30aV99E9NLo8VXLqn++Q/mIuIREid6DJsv32s91Ityi1hEtJRl5+ESX2NMKUR2ZYoCbNIjIRV5FiiJIyicx7mriVEKnCKfvxadBIloRQ1NTqJkcICpcgPr7rjOPYJZnFNbZVwikw/YHNlXmDi4xW9kU70jSnNqOu/xL4R0aWg3yNMgNHWp0I66i7Dy5PsdXFuApw1Eg8RndfuykLZa4Q/512EPrsIfzYtOmwje43wh4h+1u7KQvm5bk601wh9NlijXYQ+uwh/HqLrZkTXh+h4PDQP8lQ/PvAlSrT2xl0oRHQ5biOXXYQ+uwh/dhH+7CL82bRI3Ua2XKPvtTfuQvneReizi/BnF+HPLsKfTYu0bYQWsd5PfImIDmtv3IVy2EXos4vwZxfhzy7CH0okbyO7CH+2/D46rr1xF8pxF6HPLsKfXYQ/uwh/KJGyjWxatPZwWShEpK69cReKuovQZxfhzy7Cn12EP0SkGduItmHRzFF3P3r63ZHzTl4YdYqsHg/e/YdF2e7xcFRVrba109gMFp2evGhmjzpFVZLcvJVpl7K8hWaVB1liNVNdJh7VZ4Wd7P4aaa5I866lFEnDRHWksC5eVgtH8VWy8PHGTE5V/rr+QqSocTnm9CpTM+SMmRhVVJcPKbPYv5VFcs7x1F3P1eeikl1sXZHGB0lRLH+eSI75ICk6KZ8nctkOkaQN+cNEWjBRIimU0YpkHY4hmxOgqNIMHRaRJo6giLO+dyM/F1nsvpfqWVAv92Eihe0u3bNE+TgR/FkURfWhUHPMIBsguh6N0yKNs7o/EGkVIEpj+XA8fltJ0GzqDxMdQwBka+2gqQ/p9FYkpaNIiEXuje3OddQfg738rFCTcYmME9sdKXntbY1MBOy802JrotJ6bSUiInLia7y2+aZEbXuyxXbn5vXXGQazDs+6xUWGoql2kXU/DDrOssLWNFmZ65oQufeflwvU6PHDdO8ki/0xu/Rb7RVRvZNJgupW7y3bU+T6JLnej97MPLNUhbPIbJEV9U2y/eknHds5lfhfNMo/sb23oRX5LQXWGUmpGdtz3nxEpOiep7eP+5MFUEZJj+0SCnsCVX/CkrZUQFRvQG+8RkNOzHTi5LL0rW6x8YL0bwolGtdolqir0fQxAyQCNrdsVczFmdFS6fXp+4kSecPMEqntrAYkkklTYI288frkYKI+j+XCYtzRUdCIdMV/7mkWTDNmY6AU6bo5C9QknqwSEpFuzAdJUjZFQiJSoFMWfhIDu0ievDjD5ubquEV6AjVet3krU3B/Hvn8cYdDBJxUSlKVaJqmWvENMiXcImEQKcCYi26W1nZaN9SAXXFkcos0JZpxXLeICDpLDnVSBDkDusAtEhGN72p5J78LcMbn9+nudemgiDSlASLF66cC20NKbZ3qCnAnIfKp9gcxiIjVPj8/8mbVCBY9VsNes42C4YgBrgyUJ06NpkRdCuD8yB418pYIOkl2hyuQ2SOkKOMMO4M76vrBB4sG84Cjjrr5Cooeo4TdLwyGbLsC4IKgD93dHY66lUQye7gQxfqgfdcDhr7JeSOtLoL2dOn4KEdX2E+s0hp24j3RaUERsPnLLBmlYPceaYJVBB0Bja85p8ANn3rXgFX02kEqaSGAeywoGs7zjghYdqYoxyp68USCtMDZfX+wqHomav53fkBcWDSYx4NEBpkuAyLj3oSwSDIVsMM6ETVAp/3V/KG2tP/xRPRccI1IW7Comyr8PupE9052bbW/0yLHpX/1T1wRmQuskULa4oqcd/Z1pjLu6li0zqgDP49m5fmo+2NR3z50zFBYczLsBB6Rxx6y8Q5wRoE7LCaylhM5BnTs7cGdmZP1RZzdygeLXOjW9fg94jYXUnjjbBHRcJ5nImVKBA67fFgkL/HzIE4KRW7vM0/i/kQ0WSPHg75KldHdqc+h7pfZ0jKs/GuDM3hvNSLizSEqoroE1Yia7ELf00kIWS/o09z+EmLA6bC3hMh9TwRskDq51x47e4Zzhc73Qt64wyByPOjmUVT6cZZkcQV+0zxNflX05qgD36tSe3MilcCr1FLEe9sPRDYYjmgwD1wjMl1hm4h0ugF43PETVd6wB3RbKES2Pu+2cr9waHFBWESO+8JtyxrkckFYRDa8dxAAoRHNH3hRNTHkUIlsY9Z3TqR6LzcFokScSsKi4TzPRMYske0VT78XJJkJZ8uTzojV6FdEtmNkE9/diqLUzJTpAtmzalQyF6FvI5ETA9+OpraQwTYhwRvQMYqryX6sNn8vq8AynnqoGuXuCY7N/vMR3R7N47DzePR04J+gjJt4rM7V3SzwzbC8FzYtb2Z1jQtDd3nLDOLmD1E9v90++qfT4Lfh5N+cq/508shXb5st6Ll1cWa2RYu2EUo0p6QfkF2EP7sIf3YR/hCRs3ZXFoqzYdEGR92su1D4Q486yzq1D/L0iS85W67R2l1ZKLsIfzYs4l05+bg8rpxU/lZS3UXbyvZE/wFXu+LXNTDaDQAAAABJRU5ErkJggg=="/>
+          <p:cNvSpPr>
+            <a:spLocks noChangeAspect="1" noChangeArrowheads="1"/>
+          </p:cNvSpPr>
+          <p:nvPr/>
+        </p:nvSpPr>
+        <p:spPr bwMode="auto">
+          <a:xfrm>
+            <a:off x="155575" y="-144463"/>
+            <a:ext cx="304800" cy="304801"/>
+          </a:xfrm>
+          <a:prstGeom prst="rect">
+            <a:avLst/>
+          </a:prstGeom>
+          <a:noFill/>
+          <a:extLst>
+            <a:ext uri="{909E8E84-426E-40DD-AFC4-6F175D3DCCD1}">
+              <a14:hiddenFill xmlns:a14="http://schemas.microsoft.com/office/drawing/2010/main">
+                <a:solidFill>
+                  <a:srgbClr val="FFFFFF"/>
+                </a:solidFill>
+              </a14:hiddenFill>
+            </a:ext>
+          </a:extLst>
+        </p:spPr>
+        <p:txBody>
+          <a:bodyPr vert="horz" wrap="square" lIns="91440" tIns="45720" rIns="91440" bIns="45720" numCol="1" anchor="t" anchorCtr="0" compatLnSpc="1">
+            <a:prstTxWarp prst="textNoShape">
+              <a:avLst/>
+            </a:prstTxWarp>
+          </a:bodyPr>
+          <a:lstStyle/>
+          <a:p>
+            <a:endParaRPr lang="en-US" sz="1200" dirty="0"/>
+          </a:p>
+        </p:txBody>
+      </p:sp>
+      <p:sp>
+        <p:nvSpPr>
+          <p:cNvPr id="2" name="AutoShape 2" descr="Image result for file"/>
+          <p:cNvSpPr>
+            <a:spLocks noChangeAspect="1" noChangeArrowheads="1"/>
+          </p:cNvSpPr>
+          <p:nvPr/>
+        </p:nvSpPr>
+        <p:spPr bwMode="auto">
+          <a:xfrm>
+            <a:off x="307975" y="7937"/>
+            <a:ext cx="304800" cy="304801"/>
+          </a:xfrm>
+          <a:prstGeom prst="rect">
+            <a:avLst/>
+          </a:prstGeom>
+          <a:noFill/>
+          <a:extLst>
+            <a:ext uri="{909E8E84-426E-40DD-AFC4-6F175D3DCCD1}">
+              <a14:hiddenFill xmlns:a14="http://schemas.microsoft.com/office/drawing/2010/main">
+                <a:solidFill>
+                  <a:srgbClr val="FFFFFF"/>
+                </a:solidFill>
+              </a14:hiddenFill>
+            </a:ext>
+          </a:extLst>
+        </p:spPr>
+        <p:txBody>
+          <a:bodyPr vert="horz" wrap="square" lIns="91440" tIns="45720" rIns="91440" bIns="45720" numCol="1" anchor="t" anchorCtr="0" compatLnSpc="1">
+            <a:prstTxWarp prst="textNoShape">
+              <a:avLst/>
+            </a:prstTxWarp>
+          </a:bodyPr>
+          <a:lstStyle/>
+          <a:p>
+            <a:endParaRPr lang="en-US" sz="1200" dirty="0"/>
+          </a:p>
+        </p:txBody>
+      </p:sp>
+      <p:sp>
+        <p:nvSpPr>
+          <p:cNvPr id="4" name="AutoShape 4" descr="Image result for file"/>
+          <p:cNvSpPr>
+            <a:spLocks noChangeAspect="1" noChangeArrowheads="1"/>
+          </p:cNvSpPr>
+          <p:nvPr/>
+        </p:nvSpPr>
+        <p:spPr bwMode="auto">
+          <a:xfrm>
+            <a:off x="460375" y="160337"/>
+            <a:ext cx="304800" cy="304801"/>
+          </a:xfrm>
+          <a:prstGeom prst="rect">
+            <a:avLst/>
+          </a:prstGeom>
+          <a:noFill/>
+          <a:extLst>
+            <a:ext uri="{909E8E84-426E-40DD-AFC4-6F175D3DCCD1}">
+              <a14:hiddenFill xmlns:a14="http://schemas.microsoft.com/office/drawing/2010/main">
+                <a:solidFill>
+                  <a:srgbClr val="FFFFFF"/>
+                </a:solidFill>
+              </a14:hiddenFill>
+            </a:ext>
+          </a:extLst>
+        </p:spPr>
+        <p:txBody>
+          <a:bodyPr vert="horz" wrap="square" lIns="91440" tIns="45720" rIns="91440" bIns="45720" numCol="1" anchor="t" anchorCtr="0" compatLnSpc="1">
+            <a:prstTxWarp prst="textNoShape">
+              <a:avLst/>
+            </a:prstTxWarp>
+          </a:bodyPr>
+          <a:lstStyle/>
+          <a:p>
+            <a:endParaRPr lang="en-US" sz="1200" dirty="0"/>
+          </a:p>
+        </p:txBody>
+      </p:sp>
+      <p:sp>
+        <p:nvSpPr>
+          <p:cNvPr id="9" name="Rectangle 8"/>
+          <p:cNvSpPr/>
+          <p:nvPr/>
+        </p:nvSpPr>
+        <p:spPr>
+          <a:xfrm>
+            <a:off x="3429000" y="73223"/>
+            <a:ext cx="2209800" cy="307777"/>
+          </a:xfrm>
+          <a:prstGeom prst="rect">
+            <a:avLst/>
+          </a:prstGeom>
+        </p:spPr>
+        <p:style>
+          <a:lnRef idx="1">
+            <a:schemeClr val="accent4"/>
+          </a:lnRef>
+          <a:fillRef idx="3">
+            <a:schemeClr val="accent4"/>
+          </a:fillRef>
+          <a:effectRef idx="2">
+            <a:schemeClr val="accent4"/>
+          </a:effectRef>
+          <a:fontRef idx="minor">
+            <a:schemeClr val="lt1"/>
+          </a:fontRef>
+        </p:style>
+        <p:txBody>
+          <a:bodyPr wrap="square">
+            <a:spAutoFit/>
+          </a:bodyPr>
+          <a:lstStyle>
+            <a:defPPr>
+              <a:defRPr lang="en-US"/>
+            </a:defPPr>
+            <a:lvl1pPr marL="0" algn="l" defTabSz="914400" rtl="0" eaLnBrk="1" latinLnBrk="0" hangingPunct="1">
+              <a:defRPr sz="1800" kern="1200">
+                <a:solidFill>
+                  <a:schemeClr val="lt1"/>
+                </a:solidFill>
+                <a:latin typeface="+mn-lt"/>
+                <a:ea typeface="+mn-ea"/>
+                <a:cs typeface="+mn-cs"/>
+              </a:defRPr>
+            </a:lvl1pPr>
+            <a:lvl2pPr marL="457200" algn="l" defTabSz="914400" rtl="0" eaLnBrk="1" latinLnBrk="0" hangingPunct="1">
+              <a:defRPr sz="1800" kern="1200">
+                <a:solidFill>
+                  <a:schemeClr val="lt1"/>
+                </a:solidFill>
+                <a:latin typeface="+mn-lt"/>
+                <a:ea typeface="+mn-ea"/>
+                <a:cs typeface="+mn-cs"/>
+              </a:defRPr>
+            </a:lvl2pPr>
+            <a:lvl3pPr marL="914400" algn="l" defTabSz="914400" rtl="0" eaLnBrk="1" latinLnBrk="0" hangingPunct="1">
+              <a:defRPr sz="1800" kern="1200">
+                <a:solidFill>
+                  <a:schemeClr val="lt1"/>
+                </a:solidFill>
+                <a:latin typeface="+mn-lt"/>
+                <a:ea typeface="+mn-ea"/>
+                <a:cs typeface="+mn-cs"/>
+              </a:defRPr>
+            </a:lvl3pPr>
+            <a:lvl4pPr marL="1371600" algn="l" defTabSz="914400" rtl="0" eaLnBrk="1" latinLnBrk="0" hangingPunct="1">
+              <a:defRPr sz="1800" kern="1200">
+                <a:solidFill>
+                  <a:schemeClr val="lt1"/>
+                </a:solidFill>
+                <a:latin typeface="+mn-lt"/>
+                <a:ea typeface="+mn-ea"/>
+                <a:cs typeface="+mn-cs"/>
+              </a:defRPr>
+            </a:lvl4pPr>
+            <a:lvl5pPr marL="1828800" algn="l" defTabSz="914400" rtl="0" eaLnBrk="1" latinLnBrk="0" hangingPunct="1">
+              <a:defRPr sz="1800" kern="1200">
+                <a:solidFill>
+                  <a:schemeClr val="lt1"/>
+                </a:solidFill>
+                <a:latin typeface="+mn-lt"/>
+                <a:ea typeface="+mn-ea"/>
+                <a:cs typeface="+mn-cs"/>
+              </a:defRPr>
+            </a:lvl5pPr>
+            <a:lvl6pPr marL="2286000" algn="l" defTabSz="914400" rtl="0" eaLnBrk="1" latinLnBrk="0" hangingPunct="1">
+              <a:defRPr sz="1800" kern="1200">
+                <a:solidFill>
+                  <a:schemeClr val="lt1"/>
+                </a:solidFill>
+                <a:latin typeface="+mn-lt"/>
+                <a:ea typeface="+mn-ea"/>
+                <a:cs typeface="+mn-cs"/>
+              </a:defRPr>
+            </a:lvl6pPr>
+            <a:lvl7pPr marL="2743200" algn="l" defTabSz="914400" rtl="0" eaLnBrk="1" latinLnBrk="0" hangingPunct="1">
+              <a:defRPr sz="1800" kern="1200">
+                <a:solidFill>
+                  <a:schemeClr val="lt1"/>
+                </a:solidFill>
+                <a:latin typeface="+mn-lt"/>
+                <a:ea typeface="+mn-ea"/>
+                <a:cs typeface="+mn-cs"/>
+              </a:defRPr>
+            </a:lvl7pPr>
+            <a:lvl8pPr marL="3200400" algn="l" defTabSz="914400" rtl="0" eaLnBrk="1" latinLnBrk="0" hangingPunct="1">
+              <a:defRPr sz="1800" kern="1200">
+                <a:solidFill>
+                  <a:schemeClr val="lt1"/>
+                </a:solidFill>
+                <a:latin typeface="+mn-lt"/>
+                <a:ea typeface="+mn-ea"/>
+                <a:cs typeface="+mn-cs"/>
+              </a:defRPr>
+            </a:lvl8pPr>
+            <a:lvl9pPr marL="3657600" algn="l" defTabSz="914400" rtl="0" eaLnBrk="1" latinLnBrk="0" hangingPunct="1">
+              <a:defRPr sz="1800" kern="1200">
+                <a:solidFill>
+                  <a:schemeClr val="lt1"/>
+                </a:solidFill>
+                <a:latin typeface="+mn-lt"/>
+                <a:ea typeface="+mn-ea"/>
+                <a:cs typeface="+mn-cs"/>
+              </a:defRPr>
+            </a:lvl9pPr>
+          </a:lstStyle>
+          <a:p>
+            <a:pPr algn="ctr"/>
+            <a:r>
+              <a:rPr lang="en-US" sz="1400" dirty="0"/>
+              <a:t>Data Modeling Introduction</a:t>
+            </a:r>
+          </a:p>
+        </p:txBody>
+      </p:sp>
+      <p:sp>
+        <p:nvSpPr>
+          <p:cNvPr id="6" name="AutoShape 4" descr="Image result for xml symbol"/>
+          <p:cNvSpPr>
+            <a:spLocks noChangeAspect="1" noChangeArrowheads="1"/>
+          </p:cNvSpPr>
+          <p:nvPr/>
+        </p:nvSpPr>
+        <p:spPr bwMode="auto">
+          <a:xfrm>
+            <a:off x="-755650" y="465137"/>
+            <a:ext cx="304800" cy="304801"/>
+          </a:xfrm>
+          <a:prstGeom prst="rect">
+            <a:avLst/>
+          </a:prstGeom>
+          <a:noFill/>
+          <a:extLst>
+            <a:ext uri="{909E8E84-426E-40DD-AFC4-6F175D3DCCD1}">
+              <a14:hiddenFill xmlns:a14="http://schemas.microsoft.com/office/drawing/2010/main">
+                <a:solidFill>
+                  <a:srgbClr val="FFFFFF"/>
+                </a:solidFill>
+              </a14:hiddenFill>
+            </a:ext>
+          </a:extLst>
+        </p:spPr>
+        <p:txBody>
+          <a:bodyPr vert="horz" wrap="square" lIns="91440" tIns="45720" rIns="91440" bIns="45720" numCol="1" anchor="t" anchorCtr="0" compatLnSpc="1">
+            <a:prstTxWarp prst="textNoShape">
+              <a:avLst/>
+            </a:prstTxWarp>
+          </a:bodyPr>
+          <a:lstStyle/>
+          <a:p>
+            <a:endParaRPr lang="en-US" sz="1200"/>
+          </a:p>
+        </p:txBody>
+      </p:sp>
+      <p:sp>
+        <p:nvSpPr>
+          <p:cNvPr id="5" name="Rectangle 4">
+            <a:extLst>
+              <a:ext uri="{FF2B5EF4-FFF2-40B4-BE49-F238E27FC236}">
+                <a16:creationId xmlns:a16="http://schemas.microsoft.com/office/drawing/2014/main" id="{1D98777E-40D1-41B3-85B0-E7C53812B366}"/>
+              </a:ext>
+            </a:extLst>
+          </p:cNvPr>
+          <p:cNvSpPr/>
+          <p:nvPr/>
+        </p:nvSpPr>
+        <p:spPr>
+          <a:xfrm>
+            <a:off x="321789" y="607239"/>
+            <a:ext cx="2986587" cy="369332"/>
+          </a:xfrm>
+          <a:prstGeom prst="rect">
+            <a:avLst/>
+          </a:prstGeom>
+        </p:spPr>
+        <p:style>
+          <a:lnRef idx="1">
+            <a:schemeClr val="accent2"/>
+          </a:lnRef>
+          <a:fillRef idx="3">
+            <a:schemeClr val="accent2"/>
+          </a:fillRef>
+          <a:effectRef idx="2">
+            <a:schemeClr val="accent2"/>
+          </a:effectRef>
+          <a:fontRef idx="minor">
+            <a:schemeClr val="lt1"/>
+          </a:fontRef>
+        </p:style>
+        <p:txBody>
+          <a:bodyPr wrap="none">
+            <a:spAutoFit/>
+          </a:bodyPr>
+          <a:lstStyle/>
+          <a:p>
+            <a:r>
+              <a:rPr lang="en-US" dirty="0">
+                <a:solidFill>
+                  <a:schemeClr val="bg1"/>
+                </a:solidFill>
+                <a:latin typeface="Akzidenz"/>
+              </a:rPr>
+              <a:t>Atomicity of Write Operations</a:t>
+            </a:r>
+            <a:endParaRPr lang="en-US" b="0" i="0" dirty="0">
+              <a:solidFill>
+                <a:schemeClr val="bg1"/>
+              </a:solidFill>
+              <a:effectLst/>
+              <a:latin typeface="Akzidenz"/>
+            </a:endParaRPr>
+          </a:p>
+        </p:txBody>
+      </p:sp>
+      <p:sp>
+        <p:nvSpPr>
+          <p:cNvPr id="7" name="Rectangle 6">
+            <a:extLst>
+              <a:ext uri="{FF2B5EF4-FFF2-40B4-BE49-F238E27FC236}">
+                <a16:creationId xmlns:a16="http://schemas.microsoft.com/office/drawing/2014/main" id="{F06BEDD4-E655-47E4-9CBA-11A51AAB33B7}"/>
+              </a:ext>
+            </a:extLst>
+          </p:cNvPr>
+          <p:cNvSpPr/>
+          <p:nvPr/>
+        </p:nvSpPr>
+        <p:spPr>
+          <a:xfrm>
+            <a:off x="305576" y="1020505"/>
+            <a:ext cx="8531225" cy="1752600"/>
+          </a:xfrm>
+          <a:prstGeom prst="rect">
+            <a:avLst/>
+          </a:prstGeom>
+          <a:ln w="3175"/>
+        </p:spPr>
+        <p:style>
+          <a:lnRef idx="2">
+            <a:schemeClr val="accent4"/>
+          </a:lnRef>
+          <a:fillRef idx="1">
+            <a:schemeClr val="lt1"/>
+          </a:fillRef>
+          <a:effectRef idx="0">
+            <a:schemeClr val="accent4"/>
+          </a:effectRef>
+          <a:fontRef idx="minor">
+            <a:schemeClr val="dk1"/>
+          </a:fontRef>
+        </p:style>
+        <p:txBody>
+          <a:bodyPr rtlCol="0" anchor="ctr"/>
+          <a:lstStyle/>
+          <a:p>
+            <a:pPr marL="171450" indent="-171450">
+              <a:buFont typeface="Wingdings" panose="05000000000000000000" pitchFamily="2" charset="2"/>
+              <a:buChar char="ü"/>
+            </a:pPr>
+            <a:r>
+              <a:rPr lang="en-US" sz="1200" dirty="0"/>
+              <a:t>In MongoDB, a write operation is atomic on the level of a single document, even if the operation modifies multiple embedded documents </a:t>
+            </a:r>
+            <a:r>
+              <a:rPr lang="en-US" sz="1200" i="1" dirty="0"/>
+              <a:t>within</a:t>
+            </a:r>
+            <a:r>
+              <a:rPr lang="en-US" sz="1200" dirty="0"/>
+              <a:t> a single document.</a:t>
+            </a:r>
+          </a:p>
+          <a:p>
+            <a:pPr marL="171450" indent="-171450">
+              <a:buFont typeface="Wingdings" panose="05000000000000000000" pitchFamily="2" charset="2"/>
+              <a:buChar char="ü"/>
+            </a:pPr>
+            <a:endParaRPr lang="en-US" sz="1200" dirty="0"/>
+          </a:p>
+          <a:p>
+            <a:pPr marL="171450" indent="-171450">
+              <a:buFont typeface="Wingdings" panose="05000000000000000000" pitchFamily="2" charset="2"/>
+              <a:buChar char="ü"/>
+            </a:pPr>
+            <a:r>
+              <a:rPr lang="en-US" sz="1200" dirty="0"/>
+              <a:t>A denormalized data model with embedded data combines all related data in a single document instead of normalizing across multiple documents and collections. This data model facilitates atomic operations.</a:t>
+            </a:r>
+          </a:p>
+          <a:p>
+            <a:pPr marL="171450" indent="-171450">
+              <a:buFont typeface="Wingdings" panose="05000000000000000000" pitchFamily="2" charset="2"/>
+              <a:buChar char="ü"/>
+            </a:pPr>
+            <a:endParaRPr lang="en-US" sz="1200" dirty="0"/>
+          </a:p>
+          <a:p>
+            <a:pPr marL="171450" indent="-171450">
+              <a:buFont typeface="Wingdings" panose="05000000000000000000" pitchFamily="2" charset="2"/>
+              <a:buChar char="ü"/>
+            </a:pPr>
+            <a:r>
+              <a:rPr lang="en-US" sz="1200" dirty="0"/>
+              <a:t>When a single write operation (e.g. </a:t>
+            </a:r>
+            <a:r>
+              <a:rPr lang="en-US" sz="1200" dirty="0" err="1">
+                <a:solidFill>
+                  <a:srgbClr val="FF0000"/>
+                </a:solidFill>
+              </a:rPr>
+              <a:t>db.collection.updateMany</a:t>
+            </a:r>
+            <a:r>
+              <a:rPr lang="en-US" sz="1200" dirty="0">
+                <a:solidFill>
+                  <a:srgbClr val="FF0000"/>
+                </a:solidFill>
+              </a:rPr>
+              <a:t>()</a:t>
+            </a:r>
+            <a:r>
+              <a:rPr lang="en-US" sz="1200" dirty="0"/>
+              <a:t>) modifies multiple documents, the modification of each document is atomic, but the operation as a whole is not atomic.</a:t>
+            </a:r>
+          </a:p>
+        </p:txBody>
+      </p:sp>
+      <p:sp>
+        <p:nvSpPr>
+          <p:cNvPr id="11" name="Rectangle 10">
+            <a:extLst>
+              <a:ext uri="{FF2B5EF4-FFF2-40B4-BE49-F238E27FC236}">
+                <a16:creationId xmlns:a16="http://schemas.microsoft.com/office/drawing/2014/main" id="{7BE39EBD-4ADA-4F2D-BDB4-8BAA812DC9E3}"/>
+              </a:ext>
+            </a:extLst>
+          </p:cNvPr>
+          <p:cNvSpPr/>
+          <p:nvPr/>
+        </p:nvSpPr>
+        <p:spPr>
+          <a:xfrm>
+            <a:off x="323411" y="3396734"/>
+            <a:ext cx="2693366" cy="369332"/>
+          </a:xfrm>
+          <a:prstGeom prst="rect">
+            <a:avLst/>
+          </a:prstGeom>
+        </p:spPr>
+        <p:style>
+          <a:lnRef idx="1">
+            <a:schemeClr val="accent2"/>
+          </a:lnRef>
+          <a:fillRef idx="3">
+            <a:schemeClr val="accent2"/>
+          </a:fillRef>
+          <a:effectRef idx="2">
+            <a:schemeClr val="accent2"/>
+          </a:effectRef>
+          <a:fontRef idx="minor">
+            <a:schemeClr val="lt1"/>
+          </a:fontRef>
+        </p:style>
+        <p:txBody>
+          <a:bodyPr wrap="none">
+            <a:spAutoFit/>
+          </a:bodyPr>
+          <a:lstStyle/>
+          <a:p>
+            <a:r>
+              <a:rPr lang="en-US" dirty="0"/>
+              <a:t>Data Use and Performance</a:t>
+            </a:r>
+          </a:p>
+        </p:txBody>
+      </p:sp>
+      <p:sp>
+        <p:nvSpPr>
+          <p:cNvPr id="12" name="Rectangle 11">
+            <a:extLst>
+              <a:ext uri="{FF2B5EF4-FFF2-40B4-BE49-F238E27FC236}">
+                <a16:creationId xmlns:a16="http://schemas.microsoft.com/office/drawing/2014/main" id="{D49C3920-1168-43FC-B63D-3614CBAF7066}"/>
+              </a:ext>
+            </a:extLst>
+          </p:cNvPr>
+          <p:cNvSpPr/>
+          <p:nvPr/>
+        </p:nvSpPr>
+        <p:spPr>
+          <a:xfrm>
+            <a:off x="307198" y="3810000"/>
+            <a:ext cx="8529603" cy="838200"/>
+          </a:xfrm>
+          <a:prstGeom prst="rect">
+            <a:avLst/>
+          </a:prstGeom>
+          <a:ln w="3175"/>
+        </p:spPr>
+        <p:style>
+          <a:lnRef idx="2">
+            <a:schemeClr val="accent4"/>
+          </a:lnRef>
+          <a:fillRef idx="1">
+            <a:schemeClr val="lt1"/>
+          </a:fillRef>
+          <a:effectRef idx="0">
+            <a:schemeClr val="accent4"/>
+          </a:effectRef>
+          <a:fontRef idx="minor">
+            <a:schemeClr val="dk1"/>
+          </a:fontRef>
+        </p:style>
+        <p:txBody>
+          <a:bodyPr rtlCol="0" anchor="ctr"/>
+          <a:lstStyle/>
+          <a:p>
+            <a:pPr marL="171450" indent="-171450">
+              <a:buFont typeface="Wingdings" panose="05000000000000000000" pitchFamily="2" charset="2"/>
+              <a:buChar char="ü"/>
+            </a:pPr>
+            <a:r>
+              <a:rPr lang="en-US" sz="1200" dirty="0"/>
+              <a:t>When designing a data model, consider how applications will use your database. For instance, if your application only uses recently inserted documents, consider using Capped Collections. Or if your application needs are mainly read operations to a collection, adding indexes to support common queries can improve performance.</a:t>
+            </a:r>
+          </a:p>
+        </p:txBody>
+      </p:sp>
+    </p:spTree>
+    <p:extLst>
+      <p:ext uri="{BB962C8B-B14F-4D97-AF65-F5344CB8AC3E}">
+        <p14:creationId xmlns:p14="http://schemas.microsoft.com/office/powerpoint/2010/main" val="3579443165"/>
+      </p:ext>
+    </p:extLst>
+  </p:cSld>
+  <p:clrMapOvr>
+    <a:masterClrMapping/>
+  </p:clrMapOvr>
+</p:sld>
+</file>
+
+<file path=ppt/slides/slide5.xml><?xml version="1.0" encoding="utf-8"?>
 <p:sld xmlns:a="http://schemas.openxmlformats.org/drawingml/2006/main" xmlns:r="http://schemas.openxmlformats.org/officeDocument/2006/relationships" xmlns:p="http://schemas.openxmlformats.org/presentationml/2006/main">
   <p:cSld>
     <p:spTree>
